--- a/Housing Price Prediction .pptx
+++ b/Housing Price Prediction .pptx
@@ -15477,7 +15477,7 @@
                 <a:ea typeface="Calibri" panose="020F0502020204030204" pitchFamily="34" charset="0"/>
                 <a:cs typeface="Times New Roman" panose="02020603050405020304" pitchFamily="18" charset="0"/>
               </a:rPr>
-              <a:t>As a recommendation, I advise to use this model by the people who want to buy a house in the area covered by the dataset to have an idea about the actual price. The model can be used also with datasets that cover different cities and areas provided that they contain the same features. I also suggest that people take into consideration the features that were deemed as most important as seen in this study might help them estimate the house price better.</a:t>
+              <a:t>As a recommendation, I advise to use this model by the people who want to buy a house in the area covered by the dataset to have an idea about the actual price. The model can be used also with datasets that cover different cities and areas provided that they contain the same features. I also suggest that people should take into consideration the features that were deemed as most important as seen in this study  which might help them estimate the house price better.</a:t>
             </a:r>
           </a:p>
           <a:p>
@@ -15675,7 +15675,7 @@
         </p:nvSpPr>
         <p:spPr>
           <a:xfrm>
-            <a:off x="615518" y="1558344"/>
+            <a:off x="547456" y="1718142"/>
             <a:ext cx="6424474" cy="1831974"/>
           </a:xfrm>
         </p:spPr>
@@ -15687,7 +15687,7 @@
           <a:p>
             <a:pPr algn="just"/>
             <a:r>
-              <a:rPr lang="en-US" sz="2000" dirty="0">
+              <a:rPr lang="en-US" sz="1600" dirty="0">
                 <a:latin typeface="Times New Roman" panose="02020603050405020304" pitchFamily="18" charset="0"/>
                 <a:cs typeface="Times New Roman" panose="02020603050405020304" pitchFamily="18" charset="0"/>
               </a:rPr>
@@ -15836,13 +15836,13 @@
           <a:p>
             <a:pPr algn="just"/>
             <a:r>
-              <a:rPr lang="en-US" sz="2000" dirty="0">
+              <a:rPr lang="en-US" sz="1600" dirty="0">
                 <a:latin typeface="Times New Roman" panose="02020603050405020304" pitchFamily="18" charset="0"/>
                 <a:cs typeface="Times New Roman" panose="02020603050405020304" pitchFamily="18" charset="0"/>
               </a:rPr>
               <a:t>House Price Prediction, is important to drive Real Estate efficiency. As earlier, House prices were determined by calculating the acquiring and selling price in a locality. Therefore, the House Price prediction model is very essential in filling the information gap and improve Real Estate efficiency.</a:t>
             </a:r>
-            <a:endParaRPr lang="en-IN" sz="2000" dirty="0">
+            <a:endParaRPr lang="en-IN" sz="1600" dirty="0">
               <a:latin typeface="Times New Roman" panose="02020603050405020304" pitchFamily="18" charset="0"/>
               <a:cs typeface="Times New Roman" panose="02020603050405020304" pitchFamily="18" charset="0"/>
             </a:endParaRPr>

--- a/Housing Price Prediction .pptx
+++ b/Housing Price Prediction .pptx
@@ -3522,7 +3522,7 @@
                 </a:solidFill>
                 <a:latin typeface="Blackadder ITC" panose="04020505051007020D02" pitchFamily="82" charset="0"/>
               </a:rPr>
-              <a:t>Submitted by: Pritam Sangle</a:t>
+              <a:t>Presented by: Pritam Sangle</a:t>
             </a:r>
           </a:p>
         </p:txBody>
